--- a/sdlc/SDLC.pptx
+++ b/sdlc/SDLC.pptx
@@ -15,6 +15,9 @@
     <p:sldId id="263" r:id="rId9"/>
     <p:sldId id="262" r:id="rId10"/>
     <p:sldId id="265" r:id="rId11"/>
+    <p:sldId id="266" r:id="rId12"/>
+    <p:sldId id="267" r:id="rId13"/>
+    <p:sldId id="268" r:id="rId14"/>
   </p:sldIdLst>
   <p:sldSz cx="9144000" cy="6858000" type="screen4x3"/>
   <p:notesSz cx="6858000" cy="9144000"/>
@@ -298,7 +301,7 @@
             <a:fld id="{1D8BD707-D9CF-40AE-B4C6-C98DA3205C09}" type="datetimeFigureOut">
               <a:rPr lang="en-US" smtClean="0"/>
               <a:pPr/>
-              <a:t>11/21/2021</a:t>
+              <a:t>11/22/2021</a:t>
             </a:fld>
             <a:endParaRPr lang="en-US"/>
           </a:p>
@@ -470,7 +473,7 @@
             <a:fld id="{1D8BD707-D9CF-40AE-B4C6-C98DA3205C09}" type="datetimeFigureOut">
               <a:rPr lang="en-US" smtClean="0"/>
               <a:pPr/>
-              <a:t>11/21/2021</a:t>
+              <a:t>11/22/2021</a:t>
             </a:fld>
             <a:endParaRPr lang="en-US"/>
           </a:p>
@@ -652,7 +655,7 @@
             <a:fld id="{1D8BD707-D9CF-40AE-B4C6-C98DA3205C09}" type="datetimeFigureOut">
               <a:rPr lang="en-US" smtClean="0"/>
               <a:pPr/>
-              <a:t>11/21/2021</a:t>
+              <a:t>11/22/2021</a:t>
             </a:fld>
             <a:endParaRPr lang="en-US"/>
           </a:p>
@@ -824,7 +827,7 @@
             <a:fld id="{1D8BD707-D9CF-40AE-B4C6-C98DA3205C09}" type="datetimeFigureOut">
               <a:rPr lang="en-US" smtClean="0"/>
               <a:pPr/>
-              <a:t>11/21/2021</a:t>
+              <a:t>11/22/2021</a:t>
             </a:fld>
             <a:endParaRPr lang="en-US"/>
           </a:p>
@@ -1072,7 +1075,7 @@
             <a:fld id="{1D8BD707-D9CF-40AE-B4C6-C98DA3205C09}" type="datetimeFigureOut">
               <a:rPr lang="en-US" smtClean="0"/>
               <a:pPr/>
-              <a:t>11/21/2021</a:t>
+              <a:t>11/22/2021</a:t>
             </a:fld>
             <a:endParaRPr lang="en-US"/>
           </a:p>
@@ -1362,7 +1365,7 @@
             <a:fld id="{1D8BD707-D9CF-40AE-B4C6-C98DA3205C09}" type="datetimeFigureOut">
               <a:rPr lang="en-US" smtClean="0"/>
               <a:pPr/>
-              <a:t>11/21/2021</a:t>
+              <a:t>11/22/2021</a:t>
             </a:fld>
             <a:endParaRPr lang="en-US"/>
           </a:p>
@@ -1786,7 +1789,7 @@
             <a:fld id="{1D8BD707-D9CF-40AE-B4C6-C98DA3205C09}" type="datetimeFigureOut">
               <a:rPr lang="en-US" smtClean="0"/>
               <a:pPr/>
-              <a:t>11/21/2021</a:t>
+              <a:t>11/22/2021</a:t>
             </a:fld>
             <a:endParaRPr lang="en-US"/>
           </a:p>
@@ -1906,7 +1909,7 @@
             <a:fld id="{1D8BD707-D9CF-40AE-B4C6-C98DA3205C09}" type="datetimeFigureOut">
               <a:rPr lang="en-US" smtClean="0"/>
               <a:pPr/>
-              <a:t>11/21/2021</a:t>
+              <a:t>11/22/2021</a:t>
             </a:fld>
             <a:endParaRPr lang="en-US"/>
           </a:p>
@@ -2003,7 +2006,7 @@
             <a:fld id="{1D8BD707-D9CF-40AE-B4C6-C98DA3205C09}" type="datetimeFigureOut">
               <a:rPr lang="en-US" smtClean="0"/>
               <a:pPr/>
-              <a:t>11/21/2021</a:t>
+              <a:t>11/22/2021</a:t>
             </a:fld>
             <a:endParaRPr lang="en-US"/>
           </a:p>
@@ -2282,7 +2285,7 @@
             <a:fld id="{1D8BD707-D9CF-40AE-B4C6-C98DA3205C09}" type="datetimeFigureOut">
               <a:rPr lang="en-US" smtClean="0"/>
               <a:pPr/>
-              <a:t>11/21/2021</a:t>
+              <a:t>11/22/2021</a:t>
             </a:fld>
             <a:endParaRPr lang="en-US"/>
           </a:p>
@@ -2537,7 +2540,7 @@
             <a:fld id="{1D8BD707-D9CF-40AE-B4C6-C98DA3205C09}" type="datetimeFigureOut">
               <a:rPr lang="en-US" smtClean="0"/>
               <a:pPr/>
-              <a:t>11/21/2021</a:t>
+              <a:t>11/22/2021</a:t>
             </a:fld>
             <a:endParaRPr lang="en-US"/>
           </a:p>
@@ -2752,7 +2755,7 @@
             <a:fld id="{1D8BD707-D9CF-40AE-B4C6-C98DA3205C09}" type="datetimeFigureOut">
               <a:rPr lang="en-US" smtClean="0"/>
               <a:pPr/>
-              <a:t>11/21/2021</a:t>
+              <a:t>11/22/2021</a:t>
             </a:fld>
             <a:endParaRPr lang="en-US"/>
           </a:p>
@@ -3248,6 +3251,430 @@
 </p:sld>
 </file>
 
+<file path=ppt/slides/slide11.xml><?xml version="1.0" encoding="utf-8"?>
+<p:sld xmlns:a="http://schemas.openxmlformats.org/drawingml/2006/main" xmlns:r="http://schemas.openxmlformats.org/officeDocument/2006/relationships" xmlns:p="http://schemas.openxmlformats.org/presentationml/2006/main">
+  <p:cSld>
+    <p:spTree>
+      <p:nvGrpSpPr>
+        <p:cNvPr id="1" name=""/>
+        <p:cNvGrpSpPr/>
+        <p:nvPr/>
+      </p:nvGrpSpPr>
+      <p:grpSpPr>
+        <a:xfrm>
+          <a:off x="0" y="0"/>
+          <a:ext cx="0" cy="0"/>
+          <a:chOff x="0" y="0"/>
+          <a:chExt cx="0" cy="0"/>
+        </a:xfrm>
+      </p:grpSpPr>
+      <p:sp>
+        <p:nvSpPr>
+          <p:cNvPr id="4" name="Title 1"/>
+          <p:cNvSpPr>
+            <a:spLocks noGrp="1"/>
+          </p:cNvSpPr>
+          <p:nvPr>
+            <p:ph idx="1"/>
+          </p:nvPr>
+        </p:nvSpPr>
+        <p:spPr>
+          <a:xfrm>
+            <a:off x="533400" y="304800"/>
+            <a:ext cx="8229600" cy="6172200"/>
+          </a:xfrm>
+        </p:spPr>
+        <p:txBody>
+          <a:bodyPr/>
+          <a:lstStyle/>
+          <a:p>
+            <a:pPr marL="0" indent="0">
+              <a:buNone/>
+            </a:pPr>
+            <a:r>
+              <a:rPr lang="en-IN" dirty="0"/>
+              <a:t>Agile </a:t>
+            </a:r>
+            <a:r>
+              <a:rPr lang="en-IN" dirty="0" smtClean="0"/>
+              <a:t>Model:</a:t>
+            </a:r>
+          </a:p>
+          <a:p>
+            <a:pPr marL="0" indent="0">
+              <a:buNone/>
+            </a:pPr>
+            <a:r>
+              <a:rPr lang="en-US" sz="2000" dirty="0"/>
+              <a:t>The meaning of Agile is swift or versatile</a:t>
+            </a:r>
+            <a:r>
+              <a:rPr lang="en-US" sz="2000" dirty="0" smtClean="0"/>
+              <a:t>. "</a:t>
+            </a:r>
+            <a:r>
+              <a:rPr lang="en-US" sz="2000" b="1" dirty="0"/>
+              <a:t>Agile process model</a:t>
+            </a:r>
+            <a:r>
+              <a:rPr lang="en-US" sz="2000" dirty="0"/>
+              <a:t>" refers to a software development approach based on iterative development.</a:t>
+            </a:r>
+            <a:endParaRPr lang="en-IN" sz="2000" dirty="0"/>
+          </a:p>
+          <a:p>
+            <a:pPr marL="0" indent="0">
+              <a:buNone/>
+            </a:pPr>
+            <a:endParaRPr lang="en-IN" dirty="0"/>
+          </a:p>
+        </p:txBody>
+      </p:sp>
+      <p:pic>
+        <p:nvPicPr>
+          <p:cNvPr id="5" name="Picture 4"/>
+          <p:cNvPicPr>
+            <a:picLocks noChangeAspect="1"/>
+          </p:cNvPicPr>
+          <p:nvPr/>
+        </p:nvPicPr>
+        <p:blipFill>
+          <a:blip r:embed="rId2">
+            <a:extLst>
+              <a:ext uri="{28A0092B-C50C-407E-A947-70E740481C1C}">
+                <a14:useLocalDpi xmlns:a14="http://schemas.microsoft.com/office/drawing/2010/main" val="0"/>
+              </a:ext>
+            </a:extLst>
+          </a:blip>
+          <a:stretch>
+            <a:fillRect/>
+          </a:stretch>
+        </p:blipFill>
+        <p:spPr>
+          <a:xfrm>
+            <a:off x="990600" y="1981200"/>
+            <a:ext cx="6590619" cy="4840224"/>
+          </a:xfrm>
+          <a:prstGeom prst="rect">
+            <a:avLst/>
+          </a:prstGeom>
+        </p:spPr>
+      </p:pic>
+    </p:spTree>
+    <p:extLst>
+      <p:ext uri="{BB962C8B-B14F-4D97-AF65-F5344CB8AC3E}">
+        <p14:creationId xmlns:p14="http://schemas.microsoft.com/office/powerpoint/2010/main" val="3670176147"/>
+      </p:ext>
+    </p:extLst>
+  </p:cSld>
+  <p:clrMapOvr>
+    <a:masterClrMapping/>
+  </p:clrMapOvr>
+  <p:timing>
+    <p:tnLst>
+      <p:par>
+        <p:cTn id="1" dur="indefinite" restart="never" nodeType="tmRoot"/>
+      </p:par>
+    </p:tnLst>
+  </p:timing>
+</p:sld>
+</file>
+
+<file path=ppt/slides/slide12.xml><?xml version="1.0" encoding="utf-8"?>
+<p:sld xmlns:a="http://schemas.openxmlformats.org/drawingml/2006/main" xmlns:r="http://schemas.openxmlformats.org/officeDocument/2006/relationships" xmlns:p="http://schemas.openxmlformats.org/presentationml/2006/main">
+  <p:cSld>
+    <p:spTree>
+      <p:nvGrpSpPr>
+        <p:cNvPr id="1" name=""/>
+        <p:cNvGrpSpPr/>
+        <p:nvPr/>
+      </p:nvGrpSpPr>
+      <p:grpSpPr>
+        <a:xfrm>
+          <a:off x="0" y="0"/>
+          <a:ext cx="0" cy="0"/>
+          <a:chOff x="0" y="0"/>
+          <a:chExt cx="0" cy="0"/>
+        </a:xfrm>
+      </p:grpSpPr>
+      <p:sp>
+        <p:nvSpPr>
+          <p:cNvPr id="3" name="Content Placeholder 2"/>
+          <p:cNvSpPr>
+            <a:spLocks noGrp="1"/>
+          </p:cNvSpPr>
+          <p:nvPr>
+            <p:ph idx="1"/>
+          </p:nvPr>
+        </p:nvSpPr>
+        <p:spPr>
+          <a:xfrm>
+            <a:off x="457200" y="381000"/>
+            <a:ext cx="8229600" cy="5745163"/>
+          </a:xfrm>
+        </p:spPr>
+        <p:txBody>
+          <a:bodyPr/>
+          <a:lstStyle/>
+          <a:p>
+            <a:pPr marL="0" indent="0">
+              <a:buNone/>
+            </a:pPr>
+            <a:r>
+              <a:rPr lang="en-US" sz="2000" dirty="0" smtClean="0"/>
+              <a:t>It is used to maintain the work flow of the given project.</a:t>
+            </a:r>
+          </a:p>
+          <a:p>
+            <a:pPr marL="0" indent="0">
+              <a:buNone/>
+            </a:pPr>
+            <a:r>
+              <a:rPr lang="en-US" sz="2000" dirty="0" smtClean="0"/>
+              <a:t>It help us to know issues and problem while completing the task.</a:t>
+            </a:r>
+          </a:p>
+          <a:p>
+            <a:pPr marL="0" indent="0">
+              <a:buNone/>
+            </a:pPr>
+            <a:endParaRPr lang="en-US" sz="2000" dirty="0" smtClean="0"/>
+          </a:p>
+          <a:p>
+            <a:pPr marL="0" indent="0">
+              <a:buNone/>
+            </a:pPr>
+            <a:r>
+              <a:rPr lang="en-IN" sz="2000" b="1" dirty="0"/>
+              <a:t>Agile Testing Methods</a:t>
+            </a:r>
+            <a:r>
+              <a:rPr lang="en-IN" sz="2000" b="1" dirty="0" smtClean="0"/>
+              <a:t>:</a:t>
+            </a:r>
+          </a:p>
+          <a:p>
+            <a:r>
+              <a:rPr lang="en-IN" sz="2000" dirty="0" smtClean="0"/>
+              <a:t>Scrum</a:t>
+            </a:r>
+          </a:p>
+          <a:p>
+            <a:r>
+              <a:rPr lang="en-IN" sz="2000" dirty="0"/>
+              <a:t>Dynamic Software Development Method(DSDM</a:t>
+            </a:r>
+            <a:r>
+              <a:rPr lang="en-IN" sz="2000" dirty="0" smtClean="0"/>
+              <a:t>)</a:t>
+            </a:r>
+            <a:endParaRPr lang="en-US" sz="2000" dirty="0" smtClean="0"/>
+          </a:p>
+          <a:p>
+            <a:pPr marL="0" indent="0">
+              <a:buNone/>
+            </a:pPr>
+            <a:endParaRPr lang="en-US" sz="2000" b="1" dirty="0" smtClean="0"/>
+          </a:p>
+          <a:p>
+            <a:pPr marL="0" indent="0">
+              <a:buNone/>
+            </a:pPr>
+            <a:r>
+              <a:rPr lang="en-US" sz="2000" b="1" dirty="0" smtClean="0"/>
+              <a:t>Advantage(Pros</a:t>
+            </a:r>
+            <a:r>
+              <a:rPr lang="en-US" sz="2000" b="1" dirty="0"/>
+              <a:t>) of Agile Method:</a:t>
+            </a:r>
+          </a:p>
+          <a:p>
+            <a:r>
+              <a:rPr lang="en-US" sz="2000" dirty="0"/>
+              <a:t>Frequent Delivery</a:t>
+            </a:r>
+          </a:p>
+          <a:p>
+            <a:r>
+              <a:rPr lang="en-US" sz="2000" dirty="0"/>
+              <a:t>Face-to-Face Communication with clients.</a:t>
+            </a:r>
+          </a:p>
+          <a:p>
+            <a:r>
+              <a:rPr lang="en-US" sz="2000" dirty="0"/>
+              <a:t>Efficient design and </a:t>
+            </a:r>
+            <a:r>
+              <a:rPr lang="en-US" sz="2000" dirty="0" smtClean="0"/>
+              <a:t>fulfills </a:t>
+            </a:r>
+            <a:r>
+              <a:rPr lang="en-US" sz="2000" dirty="0"/>
+              <a:t>the business requirement.</a:t>
+            </a:r>
+          </a:p>
+          <a:p>
+            <a:r>
+              <a:rPr lang="en-US" sz="2000" dirty="0"/>
+              <a:t>Anytime changes are acceptable.</a:t>
+            </a:r>
+          </a:p>
+          <a:p>
+            <a:r>
+              <a:rPr lang="en-US" sz="2000" dirty="0"/>
+              <a:t>It reduces total development time.</a:t>
+            </a:r>
+          </a:p>
+          <a:p>
+            <a:pPr marL="0" indent="0">
+              <a:buNone/>
+            </a:pPr>
+            <a:endParaRPr lang="en-US" sz="2000" dirty="0"/>
+          </a:p>
+          <a:p>
+            <a:pPr marL="0" indent="0">
+              <a:buNone/>
+            </a:pPr>
+            <a:endParaRPr lang="en-IN" sz="2000" dirty="0"/>
+          </a:p>
+          <a:p>
+            <a:pPr marL="0" indent="0">
+              <a:buNone/>
+            </a:pPr>
+            <a:endParaRPr lang="en-IN" sz="2000" dirty="0"/>
+          </a:p>
+          <a:p>
+            <a:pPr marL="0" indent="0">
+              <a:buNone/>
+            </a:pPr>
+            <a:endParaRPr lang="en-IN" dirty="0"/>
+          </a:p>
+        </p:txBody>
+      </p:sp>
+    </p:spTree>
+    <p:extLst>
+      <p:ext uri="{BB962C8B-B14F-4D97-AF65-F5344CB8AC3E}">
+        <p14:creationId xmlns:p14="http://schemas.microsoft.com/office/powerpoint/2010/main" val="4080271988"/>
+      </p:ext>
+    </p:extLst>
+  </p:cSld>
+  <p:clrMapOvr>
+    <a:masterClrMapping/>
+  </p:clrMapOvr>
+  <p:timing>
+    <p:tnLst>
+      <p:par>
+        <p:cTn id="1" dur="indefinite" restart="never" nodeType="tmRoot"/>
+      </p:par>
+    </p:tnLst>
+  </p:timing>
+</p:sld>
+</file>
+
+<file path=ppt/slides/slide13.xml><?xml version="1.0" encoding="utf-8"?>
+<p:sld xmlns:a="http://schemas.openxmlformats.org/drawingml/2006/main" xmlns:r="http://schemas.openxmlformats.org/officeDocument/2006/relationships" xmlns:p="http://schemas.openxmlformats.org/presentationml/2006/main">
+  <p:cSld>
+    <p:spTree>
+      <p:nvGrpSpPr>
+        <p:cNvPr id="1" name=""/>
+        <p:cNvGrpSpPr/>
+        <p:nvPr/>
+      </p:nvGrpSpPr>
+      <p:grpSpPr>
+        <a:xfrm>
+          <a:off x="0" y="0"/>
+          <a:ext cx="0" cy="0"/>
+          <a:chOff x="0" y="0"/>
+          <a:chExt cx="0" cy="0"/>
+        </a:xfrm>
+      </p:grpSpPr>
+      <p:sp>
+        <p:nvSpPr>
+          <p:cNvPr id="5" name="Title 1"/>
+          <p:cNvSpPr>
+            <a:spLocks noGrp="1"/>
+          </p:cNvSpPr>
+          <p:nvPr>
+            <p:ph idx="1"/>
+          </p:nvPr>
+        </p:nvSpPr>
+        <p:spPr>
+          <a:xfrm>
+            <a:off x="457200" y="381000"/>
+            <a:ext cx="8229600" cy="5745163"/>
+          </a:xfrm>
+        </p:spPr>
+        <p:txBody>
+          <a:bodyPr/>
+          <a:lstStyle/>
+          <a:p>
+            <a:pPr marL="0" indent="0">
+              <a:buNone/>
+            </a:pPr>
+            <a:r>
+              <a:rPr lang="en-US" sz="2000" dirty="0"/>
+              <a:t>When to use the Agile Model?</a:t>
+            </a:r>
+          </a:p>
+          <a:p>
+            <a:pPr marL="0" indent="0">
+              <a:buNone/>
+            </a:pPr>
+            <a:r>
+              <a:rPr lang="en-US" sz="2000" dirty="0"/>
+              <a:t>When frequent changes are required.</a:t>
+            </a:r>
+          </a:p>
+          <a:p>
+            <a:pPr marL="0" indent="0">
+              <a:buNone/>
+            </a:pPr>
+            <a:r>
+              <a:rPr lang="en-US" sz="2000" dirty="0"/>
+              <a:t>When a highly qualified and experienced team is available.</a:t>
+            </a:r>
+          </a:p>
+          <a:p>
+            <a:pPr marL="0" indent="0">
+              <a:buNone/>
+            </a:pPr>
+            <a:r>
+              <a:rPr lang="en-US" sz="2000" dirty="0"/>
+              <a:t>When a customer is ready to have a meeting with a software team all the time.</a:t>
+            </a:r>
+          </a:p>
+          <a:p>
+            <a:pPr marL="0" indent="0">
+              <a:buNone/>
+            </a:pPr>
+            <a:r>
+              <a:rPr lang="en-US" sz="2000" dirty="0"/>
+              <a:t>When project size is small.</a:t>
+            </a:r>
+          </a:p>
+          <a:p>
+            <a:pPr marL="0" indent="0">
+              <a:buNone/>
+            </a:pPr>
+            <a:endParaRPr lang="en-IN" dirty="0"/>
+          </a:p>
+        </p:txBody>
+      </p:sp>
+    </p:spTree>
+    <p:extLst>
+      <p:ext uri="{BB962C8B-B14F-4D97-AF65-F5344CB8AC3E}">
+        <p14:creationId xmlns:p14="http://schemas.microsoft.com/office/powerpoint/2010/main" val="2183620859"/>
+      </p:ext>
+    </p:extLst>
+  </p:cSld>
+  <p:clrMapOvr>
+    <a:masterClrMapping/>
+  </p:clrMapOvr>
+</p:sld>
+</file>
+
 <file path=ppt/slides/slide2.xml><?xml version="1.0" encoding="utf-8"?>
 <p:sld xmlns:a="http://schemas.openxmlformats.org/drawingml/2006/main" xmlns:r="http://schemas.openxmlformats.org/officeDocument/2006/relationships" xmlns:p="http://schemas.openxmlformats.org/presentationml/2006/main">
   <p:cSld>
@@ -4844,11 +5271,7 @@
           <a:p>
             <a:r>
               <a:rPr lang="en-US" sz="1600" dirty="0" smtClean="0"/>
-              <a:t>How to develop application based on the client requirements within the time and cost that is called SDLC</a:t>
-            </a:r>
-            <a:r>
-              <a:rPr lang="en-US" sz="1600" dirty="0" smtClean="0"/>
-              <a:t>.</a:t>
+              <a:t>How to develop application based on the client requirements within the time and cost that is called SDLC.</a:t>
             </a:r>
             <a:endParaRPr lang="en-IN" sz="1600" dirty="0"/>
           </a:p>
@@ -4983,11 +5406,7 @@
             </a:pPr>
             <a:r>
               <a:rPr lang="en-US" sz="1800" b="1" dirty="0" smtClean="0"/>
-              <a:t>Requirement </a:t>
-            </a:r>
-            <a:r>
-              <a:rPr lang="en-US" sz="1800" b="1" dirty="0" smtClean="0"/>
-              <a:t>collection:</a:t>
+              <a:t>Requirement collection:</a:t>
             </a:r>
           </a:p>
           <a:p>
@@ -5026,17 +5445,8 @@
             </a:pPr>
             <a:r>
               <a:rPr lang="en-US" sz="1800" dirty="0" smtClean="0"/>
-              <a:t>Business </a:t>
-            </a:r>
-            <a:r>
-              <a:rPr lang="en-US" sz="1800" dirty="0" smtClean="0"/>
-              <a:t>requirement </a:t>
-            </a:r>
-            <a:r>
-              <a:rPr lang="en-US" sz="1800" dirty="0" smtClean="0"/>
-              <a:t>specification - </a:t>
-            </a:r>
-            <a:endParaRPr lang="en-US" sz="1800" dirty="0" smtClean="0"/>
+              <a:t>Business requirement specification - </a:t>
+            </a:r>
           </a:p>
           <a:p>
             <a:pPr marL="457200" lvl="1" indent="0">
@@ -5075,11 +5485,7 @@
             </a:pPr>
             <a:r>
               <a:rPr lang="en-US" sz="1800" dirty="0" smtClean="0"/>
-              <a:t>(URS) user requirement </a:t>
-            </a:r>
-            <a:r>
-              <a:rPr lang="en-US" sz="1800" dirty="0" smtClean="0"/>
-              <a:t>specification</a:t>
+              <a:t>(URS) user requirement specification</a:t>
             </a:r>
           </a:p>
           <a:p>
@@ -5258,11 +5664,7 @@
             </a:pPr>
             <a:r>
               <a:rPr lang="en-US" sz="1800" b="1" dirty="0" smtClean="0"/>
-              <a:t>Requirement </a:t>
-            </a:r>
-            <a:r>
-              <a:rPr lang="en-US" sz="1800" b="1" dirty="0" smtClean="0"/>
-              <a:t>Analysis:</a:t>
+              <a:t>Requirement Analysis:</a:t>
             </a:r>
           </a:p>
           <a:p>
@@ -5440,11 +5842,7 @@
             </a:pPr>
             <a:r>
               <a:rPr lang="en-US" sz="1600" dirty="0" smtClean="0"/>
-              <a:t>They hand over to the testing team</a:t>
-            </a:r>
-            <a:r>
-              <a:rPr lang="en-US" sz="1600" dirty="0" smtClean="0"/>
-              <a:t>.</a:t>
+              <a:t>They hand over to the testing team.</a:t>
             </a:r>
           </a:p>
         </p:txBody>
